--- a/fig/images.pptx
+++ b/fig/images.pptx
@@ -7161,480 +7161,459 @@
           </p:txBody>
         </p:sp>
       </p:grpSp>
-      <p:grpSp>
-        <p:nvGrpSpPr>
-          <p:cNvPr id="43" name="Group 42">
+      <p:cxnSp>
+        <p:nvCxnSpPr>
+          <p:cNvPr id="30" name="Straight Arrow Connector 29">
             <a:extLst>
               <a:ext uri="{FF2B5EF4-FFF2-40B4-BE49-F238E27FC236}">
-                <a16:creationId xmlns:a16="http://schemas.microsoft.com/office/drawing/2014/main" id="{ADCCD642-342D-C544-95BD-F8FD011576FB}"/>
+                <a16:creationId xmlns:a16="http://schemas.microsoft.com/office/drawing/2014/main" id="{3EC98A35-A2A7-874C-84D8-309FC91C56A9}"/>
               </a:ext>
             </a:extLst>
           </p:cNvPr>
-          <p:cNvGrpSpPr/>
+          <p:cNvCxnSpPr>
+            <a:cxnSpLocks/>
+          </p:cNvCxnSpPr>
           <p:nvPr/>
-        </p:nvGrpSpPr>
-        <p:grpSpPr>
+        </p:nvCxnSpPr>
+        <p:spPr>
+          <a:xfrm flipH="1" flipV="1">
+            <a:off x="3110470" y="989851"/>
+            <a:ext cx="810521" cy="407447"/>
+          </a:xfrm>
+          <a:prstGeom prst="straightConnector1">
+            <a:avLst/>
+          </a:prstGeom>
+          <a:ln w="13970">
+            <a:solidFill>
+              <a:schemeClr val="tx1"/>
+            </a:solidFill>
+            <a:tailEnd type="triangle"/>
+          </a:ln>
+        </p:spPr>
+        <p:style>
+          <a:lnRef idx="1">
+            <a:schemeClr val="accent1"/>
+          </a:lnRef>
+          <a:fillRef idx="0">
+            <a:schemeClr val="accent1"/>
+          </a:fillRef>
+          <a:effectRef idx="0">
+            <a:schemeClr val="accent1"/>
+          </a:effectRef>
+          <a:fontRef idx="minor">
+            <a:schemeClr val="tx1"/>
+          </a:fontRef>
+        </p:style>
+      </p:cxnSp>
+      <p:cxnSp>
+        <p:nvCxnSpPr>
+          <p:cNvPr id="34" name="Straight Arrow Connector 33">
+            <a:extLst>
+              <a:ext uri="{FF2B5EF4-FFF2-40B4-BE49-F238E27FC236}">
+                <a16:creationId xmlns:a16="http://schemas.microsoft.com/office/drawing/2014/main" id="{4A1B8368-1DD5-D64E-ABBC-82768D28C495}"/>
+              </a:ext>
+            </a:extLst>
+          </p:cNvPr>
+          <p:cNvCxnSpPr>
+            <a:cxnSpLocks/>
+          </p:cNvCxnSpPr>
+          <p:nvPr/>
+        </p:nvCxnSpPr>
+        <p:spPr>
+          <a:xfrm flipV="1">
+            <a:off x="3920991" y="1732828"/>
+            <a:ext cx="785504" cy="1"/>
+          </a:xfrm>
+          <a:prstGeom prst="straightConnector1">
+            <a:avLst/>
+          </a:prstGeom>
+          <a:ln w="13970">
+            <a:solidFill>
+              <a:schemeClr val="tx1"/>
+            </a:solidFill>
+            <a:tailEnd type="triangle"/>
+          </a:ln>
+        </p:spPr>
+        <p:style>
+          <a:lnRef idx="1">
+            <a:schemeClr val="accent1"/>
+          </a:lnRef>
+          <a:fillRef idx="0">
+            <a:schemeClr val="accent1"/>
+          </a:fillRef>
+          <a:effectRef idx="0">
+            <a:schemeClr val="accent1"/>
+          </a:effectRef>
+          <a:fontRef idx="minor">
+            <a:schemeClr val="tx1"/>
+          </a:fontRef>
+        </p:style>
+      </p:cxnSp>
+      <p:sp>
+        <p:nvSpPr>
+          <p:cNvPr id="40" name="Freeform 39">
+            <a:extLst>
+              <a:ext uri="{FF2B5EF4-FFF2-40B4-BE49-F238E27FC236}">
+                <a16:creationId xmlns:a16="http://schemas.microsoft.com/office/drawing/2014/main" id="{4DE4211C-8641-D847-860A-A955F5D30E39}"/>
+              </a:ext>
+            </a:extLst>
+          </p:cNvPr>
+          <p:cNvSpPr/>
+          <p:nvPr/>
+        </p:nvSpPr>
+        <p:spPr>
           <a:xfrm>
-            <a:off x="3110470" y="989851"/>
-            <a:ext cx="2311965" cy="3325030"/>
-            <a:chOff x="2906920" y="1182891"/>
-            <a:chExt cx="2311965" cy="3325030"/>
+            <a:off x="3921626" y="2430890"/>
+            <a:ext cx="1500809" cy="606287"/>
           </a:xfrm>
-        </p:grpSpPr>
-        <p:cxnSp>
-          <p:nvCxnSpPr>
-            <p:cNvPr id="30" name="Straight Arrow Connector 29">
-              <a:extLst>
-                <a:ext uri="{FF2B5EF4-FFF2-40B4-BE49-F238E27FC236}">
-                  <a16:creationId xmlns:a16="http://schemas.microsoft.com/office/drawing/2014/main" id="{3EC98A35-A2A7-874C-84D8-309FC91C56A9}"/>
-                </a:ext>
-              </a:extLst>
-            </p:cNvPr>
-            <p:cNvCxnSpPr>
-              <a:cxnSpLocks/>
-            </p:cNvCxnSpPr>
-            <p:nvPr/>
-          </p:nvCxnSpPr>
-          <p:spPr>
-            <a:xfrm flipH="1" flipV="1">
-              <a:off x="2906920" y="1182891"/>
-              <a:ext cx="810521" cy="407447"/>
-            </a:xfrm>
-            <a:prstGeom prst="straightConnector1">
-              <a:avLst/>
-            </a:prstGeom>
-            <a:ln w="13970">
-              <a:solidFill>
-                <a:schemeClr val="tx1"/>
-              </a:solidFill>
-              <a:tailEnd type="triangle"/>
-            </a:ln>
-          </p:spPr>
-          <p:style>
-            <a:lnRef idx="1">
-              <a:schemeClr val="accent1"/>
-            </a:lnRef>
-            <a:fillRef idx="0">
-              <a:schemeClr val="accent1"/>
-            </a:fillRef>
-            <a:effectRef idx="0">
-              <a:schemeClr val="accent1"/>
-            </a:effectRef>
-            <a:fontRef idx="minor">
+          <a:custGeom>
+            <a:avLst/>
+            <a:gdLst>
+              <a:gd name="connsiteX0" fmla="*/ 0 w 1500809"/>
+              <a:gd name="connsiteY0" fmla="*/ 129208 h 606287"/>
+              <a:gd name="connsiteX1" fmla="*/ 228600 w 1500809"/>
+              <a:gd name="connsiteY1" fmla="*/ 268356 h 606287"/>
+              <a:gd name="connsiteX2" fmla="*/ 457200 w 1500809"/>
+              <a:gd name="connsiteY2" fmla="*/ 0 h 606287"/>
+              <a:gd name="connsiteX3" fmla="*/ 655983 w 1500809"/>
+              <a:gd name="connsiteY3" fmla="*/ 606287 h 606287"/>
+              <a:gd name="connsiteX4" fmla="*/ 904461 w 1500809"/>
+              <a:gd name="connsiteY4" fmla="*/ 576469 h 606287"/>
+              <a:gd name="connsiteX5" fmla="*/ 1003852 w 1500809"/>
+              <a:gd name="connsiteY5" fmla="*/ 427382 h 606287"/>
+              <a:gd name="connsiteX6" fmla="*/ 1023730 w 1500809"/>
+              <a:gd name="connsiteY6" fmla="*/ 198782 h 606287"/>
+              <a:gd name="connsiteX7" fmla="*/ 1500809 w 1500809"/>
+              <a:gd name="connsiteY7" fmla="*/ 198782 h 606287"/>
+            </a:gdLst>
+            <a:ahLst/>
+            <a:cxnLst>
+              <a:cxn ang="0">
+                <a:pos x="connsiteX0" y="connsiteY0"/>
+              </a:cxn>
+              <a:cxn ang="0">
+                <a:pos x="connsiteX1" y="connsiteY1"/>
+              </a:cxn>
+              <a:cxn ang="0">
+                <a:pos x="connsiteX2" y="connsiteY2"/>
+              </a:cxn>
+              <a:cxn ang="0">
+                <a:pos x="connsiteX3" y="connsiteY3"/>
+              </a:cxn>
+              <a:cxn ang="0">
+                <a:pos x="connsiteX4" y="connsiteY4"/>
+              </a:cxn>
+              <a:cxn ang="0">
+                <a:pos x="connsiteX5" y="connsiteY5"/>
+              </a:cxn>
+              <a:cxn ang="0">
+                <a:pos x="connsiteX6" y="connsiteY6"/>
+              </a:cxn>
+              <a:cxn ang="0">
+                <a:pos x="connsiteX7" y="connsiteY7"/>
+              </a:cxn>
+            </a:cxnLst>
+            <a:rect l="l" t="t" r="r" b="b"/>
+            <a:pathLst>
+              <a:path w="1500809" h="606287">
+                <a:moveTo>
+                  <a:pt x="0" y="129208"/>
+                </a:moveTo>
+                <a:lnTo>
+                  <a:pt x="228600" y="268356"/>
+                </a:lnTo>
+                <a:lnTo>
+                  <a:pt x="457200" y="0"/>
+                </a:lnTo>
+                <a:lnTo>
+                  <a:pt x="655983" y="606287"/>
+                </a:lnTo>
+                <a:lnTo>
+                  <a:pt x="904461" y="576469"/>
+                </a:lnTo>
+                <a:lnTo>
+                  <a:pt x="1003852" y="427382"/>
+                </a:lnTo>
+                <a:lnTo>
+                  <a:pt x="1023730" y="198782"/>
+                </a:lnTo>
+                <a:lnTo>
+                  <a:pt x="1500809" y="198782"/>
+                </a:lnTo>
+              </a:path>
+            </a:pathLst>
+          </a:custGeom>
+          <a:noFill/>
+          <a:ln>
+            <a:solidFill>
               <a:schemeClr val="tx1"/>
-            </a:fontRef>
-          </p:style>
-        </p:cxnSp>
-        <p:cxnSp>
-          <p:nvCxnSpPr>
-            <p:cNvPr id="34" name="Straight Arrow Connector 33">
-              <a:extLst>
-                <a:ext uri="{FF2B5EF4-FFF2-40B4-BE49-F238E27FC236}">
-                  <a16:creationId xmlns:a16="http://schemas.microsoft.com/office/drawing/2014/main" id="{4A1B8368-1DD5-D64E-ABBC-82768D28C495}"/>
-                </a:ext>
-              </a:extLst>
-            </p:cNvPr>
-            <p:cNvCxnSpPr>
-              <a:cxnSpLocks/>
-            </p:cNvCxnSpPr>
-            <p:nvPr/>
-          </p:nvCxnSpPr>
-          <p:spPr>
-            <a:xfrm flipV="1">
-              <a:off x="3717441" y="1925868"/>
-              <a:ext cx="785504" cy="1"/>
-            </a:xfrm>
-            <a:prstGeom prst="straightConnector1">
-              <a:avLst/>
-            </a:prstGeom>
-            <a:ln w="13970">
-              <a:solidFill>
-                <a:schemeClr val="tx1"/>
-              </a:solidFill>
-              <a:tailEnd type="triangle"/>
-            </a:ln>
-          </p:spPr>
-          <p:style>
-            <a:lnRef idx="1">
-              <a:schemeClr val="accent1"/>
-            </a:lnRef>
-            <a:fillRef idx="0">
-              <a:schemeClr val="accent1"/>
-            </a:fillRef>
-            <a:effectRef idx="0">
-              <a:schemeClr val="accent1"/>
-            </a:effectRef>
-            <a:fontRef idx="minor">
+            </a:solidFill>
+            <a:tailEnd type="triangle"/>
+          </a:ln>
+        </p:spPr>
+        <p:style>
+          <a:lnRef idx="2">
+            <a:schemeClr val="accent1">
+              <a:shade val="50000"/>
+            </a:schemeClr>
+          </a:lnRef>
+          <a:fillRef idx="1">
+            <a:schemeClr val="accent1"/>
+          </a:fillRef>
+          <a:effectRef idx="0">
+            <a:schemeClr val="accent1"/>
+          </a:effectRef>
+          <a:fontRef idx="minor">
+            <a:schemeClr val="lt1"/>
+          </a:fontRef>
+        </p:style>
+        <p:txBody>
+          <a:bodyPr rtlCol="0" anchor="ctr"/>
+          <a:lstStyle/>
+          <a:p>
+            <a:pPr algn="ctr"/>
+            <a:endParaRPr lang="en-US"/>
+          </a:p>
+        </p:txBody>
+      </p:sp>
+      <p:sp>
+        <p:nvSpPr>
+          <p:cNvPr id="41" name="Freeform 40">
+            <a:extLst>
+              <a:ext uri="{FF2B5EF4-FFF2-40B4-BE49-F238E27FC236}">
+                <a16:creationId xmlns:a16="http://schemas.microsoft.com/office/drawing/2014/main" id="{215A0F39-9C64-7749-90BA-D9B09C94490B}"/>
+              </a:ext>
+            </a:extLst>
+          </p:cNvPr>
+          <p:cNvSpPr/>
+          <p:nvPr/>
+        </p:nvSpPr>
+        <p:spPr>
+          <a:xfrm>
+            <a:off x="3534000" y="3320968"/>
+            <a:ext cx="1143000" cy="993913"/>
+          </a:xfrm>
+          <a:custGeom>
+            <a:avLst/>
+            <a:gdLst>
+              <a:gd name="connsiteX0" fmla="*/ 387626 w 1143000"/>
+              <a:gd name="connsiteY0" fmla="*/ 0 h 993913"/>
+              <a:gd name="connsiteX1" fmla="*/ 556591 w 1143000"/>
+              <a:gd name="connsiteY1" fmla="*/ 288235 h 993913"/>
+              <a:gd name="connsiteX2" fmla="*/ 904461 w 1143000"/>
+              <a:gd name="connsiteY2" fmla="*/ 208722 h 993913"/>
+              <a:gd name="connsiteX3" fmla="*/ 1063487 w 1143000"/>
+              <a:gd name="connsiteY3" fmla="*/ 417444 h 993913"/>
+              <a:gd name="connsiteX4" fmla="*/ 924339 w 1143000"/>
+              <a:gd name="connsiteY4" fmla="*/ 715617 h 993913"/>
+              <a:gd name="connsiteX5" fmla="*/ 1143000 w 1143000"/>
+              <a:gd name="connsiteY5" fmla="*/ 854765 h 993913"/>
+              <a:gd name="connsiteX6" fmla="*/ 934278 w 1143000"/>
+              <a:gd name="connsiteY6" fmla="*/ 993913 h 993913"/>
+              <a:gd name="connsiteX7" fmla="*/ 735495 w 1143000"/>
+              <a:gd name="connsiteY7" fmla="*/ 775252 h 993913"/>
+              <a:gd name="connsiteX8" fmla="*/ 546652 w 1143000"/>
+              <a:gd name="connsiteY8" fmla="*/ 974035 h 993913"/>
+              <a:gd name="connsiteX9" fmla="*/ 0 w 1143000"/>
+              <a:gd name="connsiteY9" fmla="*/ 974035 h 993913"/>
+            </a:gdLst>
+            <a:ahLst/>
+            <a:cxnLst>
+              <a:cxn ang="0">
+                <a:pos x="connsiteX0" y="connsiteY0"/>
+              </a:cxn>
+              <a:cxn ang="0">
+                <a:pos x="connsiteX1" y="connsiteY1"/>
+              </a:cxn>
+              <a:cxn ang="0">
+                <a:pos x="connsiteX2" y="connsiteY2"/>
+              </a:cxn>
+              <a:cxn ang="0">
+                <a:pos x="connsiteX3" y="connsiteY3"/>
+              </a:cxn>
+              <a:cxn ang="0">
+                <a:pos x="connsiteX4" y="connsiteY4"/>
+              </a:cxn>
+              <a:cxn ang="0">
+                <a:pos x="connsiteX5" y="connsiteY5"/>
+              </a:cxn>
+              <a:cxn ang="0">
+                <a:pos x="connsiteX6" y="connsiteY6"/>
+              </a:cxn>
+              <a:cxn ang="0">
+                <a:pos x="connsiteX7" y="connsiteY7"/>
+              </a:cxn>
+              <a:cxn ang="0">
+                <a:pos x="connsiteX8" y="connsiteY8"/>
+              </a:cxn>
+              <a:cxn ang="0">
+                <a:pos x="connsiteX9" y="connsiteY9"/>
+              </a:cxn>
+            </a:cxnLst>
+            <a:rect l="l" t="t" r="r" b="b"/>
+            <a:pathLst>
+              <a:path w="1143000" h="993913">
+                <a:moveTo>
+                  <a:pt x="387626" y="0"/>
+                </a:moveTo>
+                <a:lnTo>
+                  <a:pt x="556591" y="288235"/>
+                </a:lnTo>
+                <a:lnTo>
+                  <a:pt x="904461" y="208722"/>
+                </a:lnTo>
+                <a:lnTo>
+                  <a:pt x="1063487" y="417444"/>
+                </a:lnTo>
+                <a:lnTo>
+                  <a:pt x="924339" y="715617"/>
+                </a:lnTo>
+                <a:lnTo>
+                  <a:pt x="1143000" y="854765"/>
+                </a:lnTo>
+                <a:lnTo>
+                  <a:pt x="934278" y="993913"/>
+                </a:lnTo>
+                <a:lnTo>
+                  <a:pt x="735495" y="775252"/>
+                </a:lnTo>
+                <a:lnTo>
+                  <a:pt x="546652" y="974035"/>
+                </a:lnTo>
+                <a:lnTo>
+                  <a:pt x="0" y="974035"/>
+                </a:lnTo>
+              </a:path>
+            </a:pathLst>
+          </a:custGeom>
+          <a:noFill/>
+          <a:ln>
+            <a:solidFill>
               <a:schemeClr val="tx1"/>
-            </a:fontRef>
-          </p:style>
-        </p:cxnSp>
-        <p:sp>
-          <p:nvSpPr>
-            <p:cNvPr id="40" name="Freeform 39">
-              <a:extLst>
-                <a:ext uri="{FF2B5EF4-FFF2-40B4-BE49-F238E27FC236}">
-                  <a16:creationId xmlns:a16="http://schemas.microsoft.com/office/drawing/2014/main" id="{4DE4211C-8641-D847-860A-A955F5D30E39}"/>
-                </a:ext>
-              </a:extLst>
-            </p:cNvPr>
-            <p:cNvSpPr/>
-            <p:nvPr/>
-          </p:nvSpPr>
-          <p:spPr>
-            <a:xfrm>
-              <a:off x="3718076" y="2623930"/>
-              <a:ext cx="1500809" cy="606287"/>
-            </a:xfrm>
-            <a:custGeom>
-              <a:avLst/>
-              <a:gdLst>
-                <a:gd name="connsiteX0" fmla="*/ 0 w 1500809"/>
-                <a:gd name="connsiteY0" fmla="*/ 129208 h 606287"/>
-                <a:gd name="connsiteX1" fmla="*/ 228600 w 1500809"/>
-                <a:gd name="connsiteY1" fmla="*/ 268356 h 606287"/>
-                <a:gd name="connsiteX2" fmla="*/ 457200 w 1500809"/>
-                <a:gd name="connsiteY2" fmla="*/ 0 h 606287"/>
-                <a:gd name="connsiteX3" fmla="*/ 655983 w 1500809"/>
-                <a:gd name="connsiteY3" fmla="*/ 606287 h 606287"/>
-                <a:gd name="connsiteX4" fmla="*/ 904461 w 1500809"/>
-                <a:gd name="connsiteY4" fmla="*/ 576469 h 606287"/>
-                <a:gd name="connsiteX5" fmla="*/ 1003852 w 1500809"/>
-                <a:gd name="connsiteY5" fmla="*/ 427382 h 606287"/>
-                <a:gd name="connsiteX6" fmla="*/ 1023730 w 1500809"/>
-                <a:gd name="connsiteY6" fmla="*/ 198782 h 606287"/>
-                <a:gd name="connsiteX7" fmla="*/ 1500809 w 1500809"/>
-                <a:gd name="connsiteY7" fmla="*/ 198782 h 606287"/>
-              </a:gdLst>
-              <a:ahLst/>
-              <a:cxnLst>
-                <a:cxn ang="0">
-                  <a:pos x="connsiteX0" y="connsiteY0"/>
-                </a:cxn>
-                <a:cxn ang="0">
-                  <a:pos x="connsiteX1" y="connsiteY1"/>
-                </a:cxn>
-                <a:cxn ang="0">
-                  <a:pos x="connsiteX2" y="connsiteY2"/>
-                </a:cxn>
-                <a:cxn ang="0">
-                  <a:pos x="connsiteX3" y="connsiteY3"/>
-                </a:cxn>
-                <a:cxn ang="0">
-                  <a:pos x="connsiteX4" y="connsiteY4"/>
-                </a:cxn>
-                <a:cxn ang="0">
-                  <a:pos x="connsiteX5" y="connsiteY5"/>
-                </a:cxn>
-                <a:cxn ang="0">
-                  <a:pos x="connsiteX6" y="connsiteY6"/>
-                </a:cxn>
-                <a:cxn ang="0">
-                  <a:pos x="connsiteX7" y="connsiteY7"/>
-                </a:cxn>
-              </a:cxnLst>
-              <a:rect l="l" t="t" r="r" b="b"/>
-              <a:pathLst>
-                <a:path w="1500809" h="606287">
-                  <a:moveTo>
-                    <a:pt x="0" y="129208"/>
-                  </a:moveTo>
-                  <a:lnTo>
-                    <a:pt x="228600" y="268356"/>
-                  </a:lnTo>
-                  <a:lnTo>
-                    <a:pt x="457200" y="0"/>
-                  </a:lnTo>
-                  <a:lnTo>
-                    <a:pt x="655983" y="606287"/>
-                  </a:lnTo>
-                  <a:lnTo>
-                    <a:pt x="904461" y="576469"/>
-                  </a:lnTo>
-                  <a:lnTo>
-                    <a:pt x="1003852" y="427382"/>
-                  </a:lnTo>
-                  <a:lnTo>
-                    <a:pt x="1023730" y="198782"/>
-                  </a:lnTo>
-                  <a:lnTo>
-                    <a:pt x="1500809" y="198782"/>
-                  </a:lnTo>
-                </a:path>
-              </a:pathLst>
-            </a:custGeom>
-            <a:noFill/>
-            <a:ln>
-              <a:solidFill>
-                <a:schemeClr val="tx1"/>
-              </a:solidFill>
-              <a:tailEnd type="triangle"/>
-            </a:ln>
-          </p:spPr>
-          <p:style>
-            <a:lnRef idx="2">
-              <a:schemeClr val="accent1">
-                <a:shade val="50000"/>
-              </a:schemeClr>
-            </a:lnRef>
-            <a:fillRef idx="1">
-              <a:schemeClr val="accent1"/>
-            </a:fillRef>
-            <a:effectRef idx="0">
-              <a:schemeClr val="accent1"/>
-            </a:effectRef>
-            <a:fontRef idx="minor">
-              <a:schemeClr val="lt1"/>
-            </a:fontRef>
-          </p:style>
-          <p:txBody>
-            <a:bodyPr rtlCol="0" anchor="ctr"/>
-            <a:lstStyle/>
-            <a:p>
-              <a:pPr algn="ctr"/>
-              <a:endParaRPr lang="en-US"/>
-            </a:p>
-          </p:txBody>
-        </p:sp>
-        <p:sp>
-          <p:nvSpPr>
-            <p:cNvPr id="41" name="Freeform 40">
-              <a:extLst>
-                <a:ext uri="{FF2B5EF4-FFF2-40B4-BE49-F238E27FC236}">
-                  <a16:creationId xmlns:a16="http://schemas.microsoft.com/office/drawing/2014/main" id="{215A0F39-9C64-7749-90BA-D9B09C94490B}"/>
-                </a:ext>
-              </a:extLst>
-            </p:cNvPr>
-            <p:cNvSpPr/>
-            <p:nvPr/>
-          </p:nvSpPr>
-          <p:spPr>
-            <a:xfrm>
-              <a:off x="3330450" y="3514008"/>
-              <a:ext cx="1143000" cy="993913"/>
-            </a:xfrm>
-            <a:custGeom>
-              <a:avLst/>
-              <a:gdLst>
-                <a:gd name="connsiteX0" fmla="*/ 387626 w 1143000"/>
-                <a:gd name="connsiteY0" fmla="*/ 0 h 993913"/>
-                <a:gd name="connsiteX1" fmla="*/ 556591 w 1143000"/>
-                <a:gd name="connsiteY1" fmla="*/ 288235 h 993913"/>
-                <a:gd name="connsiteX2" fmla="*/ 904461 w 1143000"/>
-                <a:gd name="connsiteY2" fmla="*/ 208722 h 993913"/>
-                <a:gd name="connsiteX3" fmla="*/ 1063487 w 1143000"/>
-                <a:gd name="connsiteY3" fmla="*/ 417444 h 993913"/>
-                <a:gd name="connsiteX4" fmla="*/ 924339 w 1143000"/>
-                <a:gd name="connsiteY4" fmla="*/ 715617 h 993913"/>
-                <a:gd name="connsiteX5" fmla="*/ 1143000 w 1143000"/>
-                <a:gd name="connsiteY5" fmla="*/ 854765 h 993913"/>
-                <a:gd name="connsiteX6" fmla="*/ 934278 w 1143000"/>
-                <a:gd name="connsiteY6" fmla="*/ 993913 h 993913"/>
-                <a:gd name="connsiteX7" fmla="*/ 735495 w 1143000"/>
-                <a:gd name="connsiteY7" fmla="*/ 775252 h 993913"/>
-                <a:gd name="connsiteX8" fmla="*/ 546652 w 1143000"/>
-                <a:gd name="connsiteY8" fmla="*/ 974035 h 993913"/>
-                <a:gd name="connsiteX9" fmla="*/ 0 w 1143000"/>
-                <a:gd name="connsiteY9" fmla="*/ 974035 h 993913"/>
-              </a:gdLst>
-              <a:ahLst/>
-              <a:cxnLst>
-                <a:cxn ang="0">
-                  <a:pos x="connsiteX0" y="connsiteY0"/>
-                </a:cxn>
-                <a:cxn ang="0">
-                  <a:pos x="connsiteX1" y="connsiteY1"/>
-                </a:cxn>
-                <a:cxn ang="0">
-                  <a:pos x="connsiteX2" y="connsiteY2"/>
-                </a:cxn>
-                <a:cxn ang="0">
-                  <a:pos x="connsiteX3" y="connsiteY3"/>
-                </a:cxn>
-                <a:cxn ang="0">
-                  <a:pos x="connsiteX4" y="connsiteY4"/>
-                </a:cxn>
-                <a:cxn ang="0">
-                  <a:pos x="connsiteX5" y="connsiteY5"/>
-                </a:cxn>
-                <a:cxn ang="0">
-                  <a:pos x="connsiteX6" y="connsiteY6"/>
-                </a:cxn>
-                <a:cxn ang="0">
-                  <a:pos x="connsiteX7" y="connsiteY7"/>
-                </a:cxn>
-                <a:cxn ang="0">
-                  <a:pos x="connsiteX8" y="connsiteY8"/>
-                </a:cxn>
-                <a:cxn ang="0">
-                  <a:pos x="connsiteX9" y="connsiteY9"/>
-                </a:cxn>
-              </a:cxnLst>
-              <a:rect l="l" t="t" r="r" b="b"/>
-              <a:pathLst>
-                <a:path w="1143000" h="993913">
-                  <a:moveTo>
-                    <a:pt x="387626" y="0"/>
-                  </a:moveTo>
-                  <a:lnTo>
-                    <a:pt x="556591" y="288235"/>
-                  </a:lnTo>
-                  <a:lnTo>
-                    <a:pt x="904461" y="208722"/>
-                  </a:lnTo>
-                  <a:lnTo>
-                    <a:pt x="1063487" y="417444"/>
-                  </a:lnTo>
-                  <a:lnTo>
-                    <a:pt x="924339" y="715617"/>
-                  </a:lnTo>
-                  <a:lnTo>
-                    <a:pt x="1143000" y="854765"/>
-                  </a:lnTo>
-                  <a:lnTo>
-                    <a:pt x="934278" y="993913"/>
-                  </a:lnTo>
-                  <a:lnTo>
-                    <a:pt x="735495" y="775252"/>
-                  </a:lnTo>
-                  <a:lnTo>
-                    <a:pt x="546652" y="974035"/>
-                  </a:lnTo>
-                  <a:lnTo>
-                    <a:pt x="0" y="974035"/>
-                  </a:lnTo>
-                </a:path>
-              </a:pathLst>
-            </a:custGeom>
-            <a:noFill/>
-            <a:ln>
-              <a:solidFill>
-                <a:schemeClr val="tx1"/>
-              </a:solidFill>
-              <a:tailEnd type="triangle"/>
-            </a:ln>
-          </p:spPr>
-          <p:style>
-            <a:lnRef idx="2">
-              <a:schemeClr val="accent1">
-                <a:shade val="50000"/>
-              </a:schemeClr>
-            </a:lnRef>
-            <a:fillRef idx="1">
-              <a:schemeClr val="accent1"/>
-            </a:fillRef>
-            <a:effectRef idx="0">
-              <a:schemeClr val="accent1"/>
-            </a:effectRef>
-            <a:fontRef idx="minor">
-              <a:schemeClr val="lt1"/>
-            </a:fontRef>
-          </p:style>
-          <p:txBody>
-            <a:bodyPr rtlCol="0" anchor="ctr"/>
-            <a:lstStyle/>
-            <a:p>
-              <a:pPr algn="ctr"/>
-              <a:endParaRPr lang="en-US"/>
-            </a:p>
-          </p:txBody>
-        </p:sp>
-        <p:sp>
-          <p:nvSpPr>
-            <p:cNvPr id="42" name="Freeform 41">
-              <a:extLst>
-                <a:ext uri="{FF2B5EF4-FFF2-40B4-BE49-F238E27FC236}">
-                  <a16:creationId xmlns:a16="http://schemas.microsoft.com/office/drawing/2014/main" id="{1A722BB1-0C20-C440-B0C2-844024F3A112}"/>
-                </a:ext>
-              </a:extLst>
-            </p:cNvPr>
-            <p:cNvSpPr/>
-            <p:nvPr/>
-          </p:nvSpPr>
-          <p:spPr>
-            <a:xfrm>
-              <a:off x="3710943" y="2116394"/>
-              <a:ext cx="1069258" cy="287593"/>
-            </a:xfrm>
-            <a:custGeom>
-              <a:avLst/>
-              <a:gdLst>
-                <a:gd name="connsiteX0" fmla="*/ 0 w 1069258"/>
-                <a:gd name="connsiteY0" fmla="*/ 169606 h 287593"/>
-                <a:gd name="connsiteX1" fmla="*/ 280220 w 1069258"/>
-                <a:gd name="connsiteY1" fmla="*/ 81116 h 287593"/>
-                <a:gd name="connsiteX2" fmla="*/ 656303 w 1069258"/>
-                <a:gd name="connsiteY2" fmla="*/ 287593 h 287593"/>
-                <a:gd name="connsiteX3" fmla="*/ 1069258 w 1069258"/>
-                <a:gd name="connsiteY3" fmla="*/ 0 h 287593"/>
-              </a:gdLst>
-              <a:ahLst/>
-              <a:cxnLst>
-                <a:cxn ang="0">
-                  <a:pos x="connsiteX0" y="connsiteY0"/>
-                </a:cxn>
-                <a:cxn ang="0">
-                  <a:pos x="connsiteX1" y="connsiteY1"/>
-                </a:cxn>
-                <a:cxn ang="0">
-                  <a:pos x="connsiteX2" y="connsiteY2"/>
-                </a:cxn>
-                <a:cxn ang="0">
-                  <a:pos x="connsiteX3" y="connsiteY3"/>
-                </a:cxn>
-              </a:cxnLst>
-              <a:rect l="l" t="t" r="r" b="b"/>
-              <a:pathLst>
-                <a:path w="1069258" h="287593">
-                  <a:moveTo>
-                    <a:pt x="0" y="169606"/>
-                  </a:moveTo>
-                  <a:lnTo>
-                    <a:pt x="280220" y="81116"/>
-                  </a:lnTo>
-                  <a:lnTo>
-                    <a:pt x="656303" y="287593"/>
-                  </a:lnTo>
-                  <a:lnTo>
-                    <a:pt x="1069258" y="0"/>
-                  </a:lnTo>
-                </a:path>
-              </a:pathLst>
-            </a:custGeom>
-            <a:noFill/>
-            <a:ln>
-              <a:solidFill>
-                <a:schemeClr val="tx1"/>
-              </a:solidFill>
-              <a:tailEnd type="triangle"/>
-            </a:ln>
-          </p:spPr>
-          <p:style>
-            <a:lnRef idx="2">
-              <a:schemeClr val="accent1">
-                <a:shade val="50000"/>
-              </a:schemeClr>
-            </a:lnRef>
-            <a:fillRef idx="1">
-              <a:schemeClr val="accent1"/>
-            </a:fillRef>
-            <a:effectRef idx="0">
-              <a:schemeClr val="accent1"/>
-            </a:effectRef>
-            <a:fontRef idx="minor">
-              <a:schemeClr val="lt1"/>
-            </a:fontRef>
-          </p:style>
-          <p:txBody>
-            <a:bodyPr rtlCol="0" anchor="ctr"/>
-            <a:lstStyle/>
-            <a:p>
-              <a:pPr algn="ctr"/>
-              <a:endParaRPr lang="en-US"/>
-            </a:p>
-          </p:txBody>
-        </p:sp>
-      </p:grpSp>
+            </a:solidFill>
+            <a:tailEnd type="triangle"/>
+          </a:ln>
+        </p:spPr>
+        <p:style>
+          <a:lnRef idx="2">
+            <a:schemeClr val="accent1">
+              <a:shade val="50000"/>
+            </a:schemeClr>
+          </a:lnRef>
+          <a:fillRef idx="1">
+            <a:schemeClr val="accent1"/>
+          </a:fillRef>
+          <a:effectRef idx="0">
+            <a:schemeClr val="accent1"/>
+          </a:effectRef>
+          <a:fontRef idx="minor">
+            <a:schemeClr val="lt1"/>
+          </a:fontRef>
+        </p:style>
+        <p:txBody>
+          <a:bodyPr rtlCol="0" anchor="ctr"/>
+          <a:lstStyle/>
+          <a:p>
+            <a:pPr algn="ctr"/>
+            <a:endParaRPr lang="en-US"/>
+          </a:p>
+        </p:txBody>
+      </p:sp>
+      <p:sp>
+        <p:nvSpPr>
+          <p:cNvPr id="42" name="Freeform 41">
+            <a:extLst>
+              <a:ext uri="{FF2B5EF4-FFF2-40B4-BE49-F238E27FC236}">
+                <a16:creationId xmlns:a16="http://schemas.microsoft.com/office/drawing/2014/main" id="{1A722BB1-0C20-C440-B0C2-844024F3A112}"/>
+              </a:ext>
+            </a:extLst>
+          </p:cNvPr>
+          <p:cNvSpPr/>
+          <p:nvPr/>
+        </p:nvSpPr>
+        <p:spPr>
+          <a:xfrm>
+            <a:off x="3914493" y="1923354"/>
+            <a:ext cx="1069258" cy="287593"/>
+          </a:xfrm>
+          <a:custGeom>
+            <a:avLst/>
+            <a:gdLst>
+              <a:gd name="connsiteX0" fmla="*/ 0 w 1069258"/>
+              <a:gd name="connsiteY0" fmla="*/ 169606 h 287593"/>
+              <a:gd name="connsiteX1" fmla="*/ 280220 w 1069258"/>
+              <a:gd name="connsiteY1" fmla="*/ 81116 h 287593"/>
+              <a:gd name="connsiteX2" fmla="*/ 656303 w 1069258"/>
+              <a:gd name="connsiteY2" fmla="*/ 287593 h 287593"/>
+              <a:gd name="connsiteX3" fmla="*/ 1069258 w 1069258"/>
+              <a:gd name="connsiteY3" fmla="*/ 0 h 287593"/>
+            </a:gdLst>
+            <a:ahLst/>
+            <a:cxnLst>
+              <a:cxn ang="0">
+                <a:pos x="connsiteX0" y="connsiteY0"/>
+              </a:cxn>
+              <a:cxn ang="0">
+                <a:pos x="connsiteX1" y="connsiteY1"/>
+              </a:cxn>
+              <a:cxn ang="0">
+                <a:pos x="connsiteX2" y="connsiteY2"/>
+              </a:cxn>
+              <a:cxn ang="0">
+                <a:pos x="connsiteX3" y="connsiteY3"/>
+              </a:cxn>
+            </a:cxnLst>
+            <a:rect l="l" t="t" r="r" b="b"/>
+            <a:pathLst>
+              <a:path w="1069258" h="287593">
+                <a:moveTo>
+                  <a:pt x="0" y="169606"/>
+                </a:moveTo>
+                <a:lnTo>
+                  <a:pt x="280220" y="81116"/>
+                </a:lnTo>
+                <a:lnTo>
+                  <a:pt x="656303" y="287593"/>
+                </a:lnTo>
+                <a:lnTo>
+                  <a:pt x="1069258" y="0"/>
+                </a:lnTo>
+              </a:path>
+            </a:pathLst>
+          </a:custGeom>
+          <a:noFill/>
+          <a:ln>
+            <a:solidFill>
+              <a:schemeClr val="tx1"/>
+            </a:solidFill>
+            <a:tailEnd type="triangle"/>
+          </a:ln>
+        </p:spPr>
+        <p:style>
+          <a:lnRef idx="2">
+            <a:schemeClr val="accent1">
+              <a:shade val="50000"/>
+            </a:schemeClr>
+          </a:lnRef>
+          <a:fillRef idx="1">
+            <a:schemeClr val="accent1"/>
+          </a:fillRef>
+          <a:effectRef idx="0">
+            <a:schemeClr val="accent1"/>
+          </a:effectRef>
+          <a:fontRef idx="minor">
+            <a:schemeClr val="lt1"/>
+          </a:fontRef>
+        </p:style>
+        <p:txBody>
+          <a:bodyPr rtlCol="0" anchor="ctr"/>
+          <a:lstStyle/>
+          <a:p>
+            <a:pPr algn="ctr"/>
+            <a:endParaRPr lang="en-US"/>
+          </a:p>
+        </p:txBody>
+      </p:sp>
       <p:sp>
         <p:nvSpPr>
           <p:cNvPr id="103" name="Oval 102">
@@ -8655,8 +8634,52 @@
           <p:nvPr/>
         </p:nvCxnSpPr>
         <p:spPr>
+          <a:xfrm>
+            <a:off x="2806031" y="2395660"/>
+            <a:ext cx="486390" cy="0"/>
+          </a:xfrm>
+          <a:prstGeom prst="straightConnector1">
+            <a:avLst/>
+          </a:prstGeom>
+          <a:ln w="13970">
+            <a:solidFill>
+              <a:schemeClr val="tx1"/>
+            </a:solidFill>
+            <a:tailEnd type="triangle"/>
+          </a:ln>
+        </p:spPr>
+        <p:style>
+          <a:lnRef idx="1">
+            <a:schemeClr val="accent1"/>
+          </a:lnRef>
+          <a:fillRef idx="0">
+            <a:schemeClr val="accent1"/>
+          </a:fillRef>
+          <a:effectRef idx="0">
+            <a:schemeClr val="accent1"/>
+          </a:effectRef>
+          <a:fontRef idx="minor">
+            <a:schemeClr val="tx1"/>
+          </a:fontRef>
+        </p:style>
+      </p:cxnSp>
+      <p:cxnSp>
+        <p:nvCxnSpPr>
+          <p:cNvPr id="2" name="Straight Arrow Connector 1">
+            <a:extLst>
+              <a:ext uri="{FF2B5EF4-FFF2-40B4-BE49-F238E27FC236}">
+                <a16:creationId xmlns:a16="http://schemas.microsoft.com/office/drawing/2014/main" id="{43F1E327-F840-2B05-247A-8D8743DB87A6}"/>
+              </a:ext>
+            </a:extLst>
+          </p:cNvPr>
+          <p:cNvCxnSpPr>
+            <a:cxnSpLocks/>
+          </p:cNvCxnSpPr>
+          <p:nvPr/>
+        </p:nvCxnSpPr>
+        <p:spPr>
           <a:xfrm flipV="1">
-            <a:off x="2506917" y="2395660"/>
+            <a:off x="5194361" y="2629013"/>
             <a:ext cx="785504" cy="1"/>
           </a:xfrm>
           <a:prstGeom prst="straightConnector1">

--- a/fig/images.pptx
+++ b/fig/images.pptx
@@ -5,13 +5,14 @@
     <p:sldMasterId id="2147484250" r:id="rId1"/>
   </p:sldMasterIdLst>
   <p:notesMasterIdLst>
-    <p:notesMasterId r:id="rId3"/>
+    <p:notesMasterId r:id="rId4"/>
   </p:notesMasterIdLst>
   <p:handoutMasterIdLst>
-    <p:handoutMasterId r:id="rId4"/>
+    <p:handoutMasterId r:id="rId5"/>
   </p:handoutMasterIdLst>
   <p:sldIdLst>
     <p:sldId id="570" r:id="rId2"/>
+    <p:sldId id="572" r:id="rId3"/>
   </p:sldIdLst>
   <p:sldSz cx="9144000" cy="5143500" type="screen16x9"/>
   <p:notesSz cx="6858000" cy="9144000"/>
@@ -225,7 +226,7 @@
           <a:p>
             <a:fld id="{D9F6CA9C-5D53-EA41-8A37-B6650DBCB74E}" type="datetimeFigureOut">
               <a:rPr lang="en-US" smtClean="0"/>
-              <a:t>11/15/22</a:t>
+              <a:t>11/18/22</a:t>
             </a:fld>
             <a:endParaRPr lang="en-US"/>
           </a:p>
@@ -391,7 +392,7 @@
           <a:p>
             <a:fld id="{3562551E-C073-0C45-B697-ADFF7C4EFE7E}" type="datetimeFigureOut">
               <a:rPr lang="en-US" smtClean="0"/>
-              <a:t>11/15/22</a:t>
+              <a:t>11/18/22</a:t>
             </a:fld>
             <a:endParaRPr lang="en-US"/>
           </a:p>
@@ -8720,6 +8721,895 @@
 </p:sld>
 </file>
 
+<file path=ppt/slides/slide2.xml><?xml version="1.0" encoding="utf-8"?>
+<p:sld xmlns:a="http://schemas.openxmlformats.org/drawingml/2006/main" xmlns:r="http://schemas.openxmlformats.org/officeDocument/2006/relationships" xmlns:p="http://schemas.openxmlformats.org/presentationml/2006/main">
+  <p:cSld>
+    <p:spTree>
+      <p:nvGrpSpPr>
+        <p:cNvPr id="1" name=""/>
+        <p:cNvGrpSpPr/>
+        <p:nvPr/>
+      </p:nvGrpSpPr>
+      <p:grpSpPr>
+        <a:xfrm>
+          <a:off x="0" y="0"/>
+          <a:ext cx="0" cy="0"/>
+          <a:chOff x="0" y="0"/>
+          <a:chExt cx="0" cy="0"/>
+        </a:xfrm>
+      </p:grpSpPr>
+      <p:sp>
+        <p:nvSpPr>
+          <p:cNvPr id="6" name="Decision 5">
+            <a:extLst>
+              <a:ext uri="{FF2B5EF4-FFF2-40B4-BE49-F238E27FC236}">
+                <a16:creationId xmlns:a16="http://schemas.microsoft.com/office/drawing/2014/main" id="{459E9B4C-65AF-1D69-7220-A0A41CBA8BC9}"/>
+              </a:ext>
+            </a:extLst>
+          </p:cNvPr>
+          <p:cNvSpPr/>
+          <p:nvPr/>
+        </p:nvSpPr>
+        <p:spPr>
+          <a:xfrm>
+            <a:off x="4773247" y="41227"/>
+            <a:ext cx="1125732" cy="962024"/>
+          </a:xfrm>
+          <a:prstGeom prst="flowChartDecision">
+            <a:avLst/>
+          </a:prstGeom>
+        </p:spPr>
+        <p:style>
+          <a:lnRef idx="1">
+            <a:schemeClr val="accent2"/>
+          </a:lnRef>
+          <a:fillRef idx="2">
+            <a:schemeClr val="accent2"/>
+          </a:fillRef>
+          <a:effectRef idx="1">
+            <a:schemeClr val="accent2"/>
+          </a:effectRef>
+          <a:fontRef idx="minor">
+            <a:schemeClr val="dk1"/>
+          </a:fontRef>
+        </p:style>
+        <p:txBody>
+          <a:bodyPr rtlCol="0" anchor="ctr"/>
+          <a:lstStyle/>
+          <a:p>
+            <a:pPr algn="ctr"/>
+            <a:endParaRPr lang="en-US" dirty="0"/>
+          </a:p>
+        </p:txBody>
+      </p:sp>
+      <p:sp>
+        <p:nvSpPr>
+          <p:cNvPr id="7" name="Process 6">
+            <a:extLst>
+              <a:ext uri="{FF2B5EF4-FFF2-40B4-BE49-F238E27FC236}">
+                <a16:creationId xmlns:a16="http://schemas.microsoft.com/office/drawing/2014/main" id="{69CE7104-B8E0-8E00-43E2-A1CAB9AA0EEB}"/>
+              </a:ext>
+            </a:extLst>
+          </p:cNvPr>
+          <p:cNvSpPr/>
+          <p:nvPr/>
+        </p:nvSpPr>
+        <p:spPr>
+          <a:xfrm>
+            <a:off x="1799731" y="194503"/>
+            <a:ext cx="1176927" cy="657316"/>
+          </a:xfrm>
+          <a:prstGeom prst="flowChartProcess">
+            <a:avLst/>
+          </a:prstGeom>
+        </p:spPr>
+        <p:style>
+          <a:lnRef idx="1">
+            <a:schemeClr val="accent2"/>
+          </a:lnRef>
+          <a:fillRef idx="2">
+            <a:schemeClr val="accent2"/>
+          </a:fillRef>
+          <a:effectRef idx="1">
+            <a:schemeClr val="accent2"/>
+          </a:effectRef>
+          <a:fontRef idx="minor">
+            <a:schemeClr val="dk1"/>
+          </a:fontRef>
+        </p:style>
+        <p:txBody>
+          <a:bodyPr rtlCol="0" anchor="ctr"/>
+          <a:lstStyle/>
+          <a:p>
+            <a:pPr algn="ctr"/>
+            <a:r>
+              <a:rPr lang="en-US" sz="1200" dirty="0"/>
+              <a:t>Print with settings</a:t>
+            </a:r>
+          </a:p>
+        </p:txBody>
+      </p:sp>
+      <p:sp>
+        <p:nvSpPr>
+          <p:cNvPr id="12" name="Alternate Process 11">
+            <a:extLst>
+              <a:ext uri="{FF2B5EF4-FFF2-40B4-BE49-F238E27FC236}">
+                <a16:creationId xmlns:a16="http://schemas.microsoft.com/office/drawing/2014/main" id="{154EE998-2DAC-8F74-3257-25F4BDCDE847}"/>
+              </a:ext>
+            </a:extLst>
+          </p:cNvPr>
+          <p:cNvSpPr/>
+          <p:nvPr/>
+        </p:nvSpPr>
+        <p:spPr>
+          <a:xfrm>
+            <a:off x="173266" y="193582"/>
+            <a:ext cx="1316736" cy="657317"/>
+          </a:xfrm>
+          <a:prstGeom prst="flowChartAlternateProcess">
+            <a:avLst/>
+          </a:prstGeom>
+        </p:spPr>
+        <p:style>
+          <a:lnRef idx="1">
+            <a:schemeClr val="accent3"/>
+          </a:lnRef>
+          <a:fillRef idx="2">
+            <a:schemeClr val="accent3"/>
+          </a:fillRef>
+          <a:effectRef idx="1">
+            <a:schemeClr val="accent3"/>
+          </a:effectRef>
+          <a:fontRef idx="minor">
+            <a:schemeClr val="dk1"/>
+          </a:fontRef>
+        </p:style>
+        <p:txBody>
+          <a:bodyPr rtlCol="0" anchor="ctr"/>
+          <a:lstStyle/>
+          <a:p>
+            <a:pPr algn="ctr"/>
+            <a:r>
+              <a:rPr lang="en-US" sz="1200" dirty="0"/>
+              <a:t>Set settings to: EM=1 PW=0.4</a:t>
+            </a:r>
+          </a:p>
+        </p:txBody>
+      </p:sp>
+      <p:sp>
+        <p:nvSpPr>
+          <p:cNvPr id="15" name="Process 14">
+            <a:extLst>
+              <a:ext uri="{FF2B5EF4-FFF2-40B4-BE49-F238E27FC236}">
+                <a16:creationId xmlns:a16="http://schemas.microsoft.com/office/drawing/2014/main" id="{6BBBC259-2469-1FF3-C8E2-F80E69F47ED9}"/>
+              </a:ext>
+            </a:extLst>
+          </p:cNvPr>
+          <p:cNvSpPr/>
+          <p:nvPr/>
+        </p:nvSpPr>
+        <p:spPr>
+          <a:xfrm>
+            <a:off x="3286387" y="193583"/>
+            <a:ext cx="1176927" cy="657316"/>
+          </a:xfrm>
+          <a:prstGeom prst="flowChartProcess">
+            <a:avLst/>
+          </a:prstGeom>
+        </p:spPr>
+        <p:style>
+          <a:lnRef idx="1">
+            <a:schemeClr val="accent2"/>
+          </a:lnRef>
+          <a:fillRef idx="2">
+            <a:schemeClr val="accent2"/>
+          </a:fillRef>
+          <a:effectRef idx="1">
+            <a:schemeClr val="accent2"/>
+          </a:effectRef>
+          <a:fontRef idx="minor">
+            <a:schemeClr val="dk1"/>
+          </a:fontRef>
+        </p:style>
+        <p:txBody>
+          <a:bodyPr rtlCol="0" anchor="ctr"/>
+          <a:lstStyle/>
+          <a:p>
+            <a:pPr algn="ctr"/>
+            <a:r>
+              <a:rPr lang="en-US" sz="1200" dirty="0"/>
+              <a:t>Measure Width</a:t>
+            </a:r>
+          </a:p>
+        </p:txBody>
+      </p:sp>
+      <p:sp>
+        <p:nvSpPr>
+          <p:cNvPr id="16" name="TextBox 15">
+            <a:extLst>
+              <a:ext uri="{FF2B5EF4-FFF2-40B4-BE49-F238E27FC236}">
+                <a16:creationId xmlns:a16="http://schemas.microsoft.com/office/drawing/2014/main" id="{6AD8913F-FB76-238B-6C91-DE85A860AC1A}"/>
+              </a:ext>
+            </a:extLst>
+          </p:cNvPr>
+          <p:cNvSpPr txBox="1"/>
+          <p:nvPr/>
+        </p:nvSpPr>
+        <p:spPr>
+          <a:xfrm>
+            <a:off x="4847974" y="294629"/>
+            <a:ext cx="1057355" cy="461665"/>
+          </a:xfrm>
+          <a:prstGeom prst="rect">
+            <a:avLst/>
+          </a:prstGeom>
+          <a:noFill/>
+        </p:spPr>
+        <p:txBody>
+          <a:bodyPr wrap="square" rtlCol="0">
+            <a:spAutoFit/>
+          </a:bodyPr>
+          <a:lstStyle/>
+          <a:p>
+            <a:r>
+              <a:rPr lang="en-US" sz="1200" dirty="0"/>
+              <a:t>Wall width = 0.4 mm?</a:t>
+            </a:r>
+          </a:p>
+        </p:txBody>
+      </p:sp>
+      <p:sp>
+        <p:nvSpPr>
+          <p:cNvPr id="17" name="Alternate Process 16">
+            <a:extLst>
+              <a:ext uri="{FF2B5EF4-FFF2-40B4-BE49-F238E27FC236}">
+                <a16:creationId xmlns:a16="http://schemas.microsoft.com/office/drawing/2014/main" id="{56CBD500-0CED-AE60-EA40-59B5CBE182C2}"/>
+              </a:ext>
+            </a:extLst>
+          </p:cNvPr>
+          <p:cNvSpPr/>
+          <p:nvPr/>
+        </p:nvSpPr>
+        <p:spPr>
+          <a:xfrm>
+            <a:off x="6367577" y="193581"/>
+            <a:ext cx="1318984" cy="657317"/>
+          </a:xfrm>
+          <a:prstGeom prst="flowChartAlternateProcess">
+            <a:avLst/>
+          </a:prstGeom>
+        </p:spPr>
+        <p:style>
+          <a:lnRef idx="1">
+            <a:schemeClr val="accent3"/>
+          </a:lnRef>
+          <a:fillRef idx="2">
+            <a:schemeClr val="accent3"/>
+          </a:fillRef>
+          <a:effectRef idx="1">
+            <a:schemeClr val="accent3"/>
+          </a:effectRef>
+          <a:fontRef idx="minor">
+            <a:schemeClr val="dk1"/>
+          </a:fontRef>
+        </p:style>
+        <p:txBody>
+          <a:bodyPr rtlCol="0" anchor="ctr"/>
+          <a:lstStyle/>
+          <a:p>
+            <a:pPr algn="ctr"/>
+            <a:r>
+              <a:rPr lang="en-US" sz="1200" dirty="0"/>
+              <a:t>Done</a:t>
+            </a:r>
+          </a:p>
+        </p:txBody>
+      </p:sp>
+      <p:sp>
+        <p:nvSpPr>
+          <p:cNvPr id="18" name="Process 17">
+            <a:extLst>
+              <a:ext uri="{FF2B5EF4-FFF2-40B4-BE49-F238E27FC236}">
+                <a16:creationId xmlns:a16="http://schemas.microsoft.com/office/drawing/2014/main" id="{7CDBE6E0-1A2A-F17E-5BFB-1C6D8A445E01}"/>
+              </a:ext>
+            </a:extLst>
+          </p:cNvPr>
+          <p:cNvSpPr/>
+          <p:nvPr/>
+        </p:nvSpPr>
+        <p:spPr>
+          <a:xfrm>
+            <a:off x="2784002" y="1326967"/>
+            <a:ext cx="2181698" cy="657316"/>
+          </a:xfrm>
+          <a:prstGeom prst="flowChartProcess">
+            <a:avLst/>
+          </a:prstGeom>
+        </p:spPr>
+        <p:style>
+          <a:lnRef idx="1">
+            <a:schemeClr val="accent2"/>
+          </a:lnRef>
+          <a:fillRef idx="2">
+            <a:schemeClr val="accent2"/>
+          </a:fillRef>
+          <a:effectRef idx="1">
+            <a:schemeClr val="accent2"/>
+          </a:effectRef>
+          <a:fontRef idx="minor">
+            <a:schemeClr val="dk1"/>
+          </a:fontRef>
+        </p:style>
+        <p:txBody>
+          <a:bodyPr rtlCol="0" anchor="ctr"/>
+          <a:lstStyle/>
+          <a:p>
+            <a:pPr algn="ctr"/>
+            <a:endParaRPr lang="en-US" sz="1200" dirty="0"/>
+          </a:p>
+        </p:txBody>
+      </p:sp>
+      <mc:AlternateContent xmlns:mc="http://schemas.openxmlformats.org/markup-compatibility/2006">
+        <mc:Choice xmlns:a14="http://schemas.microsoft.com/office/drawing/2010/main" Requires="a14">
+          <p:sp>
+            <p:nvSpPr>
+              <p:cNvPr id="19" name="TextBox 18">
+                <a:extLst>
+                  <a:ext uri="{FF2B5EF4-FFF2-40B4-BE49-F238E27FC236}">
+                    <a16:creationId xmlns:a16="http://schemas.microsoft.com/office/drawing/2014/main" id="{DC14AEA0-E837-C919-A3F8-3DBB00A770A4}"/>
+                  </a:ext>
+                </a:extLst>
+              </p:cNvPr>
+              <p:cNvSpPr txBox="1"/>
+              <p:nvPr/>
+            </p:nvSpPr>
+            <p:spPr>
+              <a:xfrm>
+                <a:off x="2599237" y="1428733"/>
+                <a:ext cx="2551228" cy="437877"/>
+              </a:xfrm>
+              <a:prstGeom prst="rect">
+                <a:avLst/>
+              </a:prstGeom>
+              <a:noFill/>
+            </p:spPr>
+            <p:txBody>
+              <a:bodyPr wrap="square" rtlCol="0">
+                <a:spAutoFit/>
+              </a:bodyPr>
+              <a:lstStyle/>
+              <a:p>
+                <a14:m>
+                  <m:oMathPara xmlns:m="http://schemas.openxmlformats.org/officeDocument/2006/math">
+                    <m:oMathParaPr>
+                      <m:jc m:val="centerGroup"/>
+                    </m:oMathParaPr>
+                    <m:oMath xmlns:m="http://schemas.openxmlformats.org/officeDocument/2006/math">
+                      <m:sSub>
+                        <m:sSubPr>
+                          <m:ctrlPr>
+                            <a:rPr lang="en-US" sz="1100" i="1" smtClean="0">
+                              <a:latin typeface="Cambria Math" panose="02040503050406030204" pitchFamily="18" charset="0"/>
+                            </a:rPr>
+                          </m:ctrlPr>
+                        </m:sSubPr>
+                        <m:e>
+                          <m:r>
+                            <a:rPr lang="en-US" sz="1100" b="0" i="1" smtClean="0">
+                              <a:latin typeface="Cambria Math" panose="02040503050406030204" pitchFamily="18" charset="0"/>
+                            </a:rPr>
+                            <m:t>𝐸𝑀</m:t>
+                          </m:r>
+                        </m:e>
+                        <m:sub>
+                          <m:r>
+                            <a:rPr lang="en-US" sz="1100" b="0" i="1" smtClean="0">
+                              <a:latin typeface="Cambria Math" panose="02040503050406030204" pitchFamily="18" charset="0"/>
+                            </a:rPr>
+                            <m:t>𝑛𝑒𝑤</m:t>
+                          </m:r>
+                        </m:sub>
+                      </m:sSub>
+                      <m:r>
+                        <a:rPr lang="en-US" sz="1100" b="0" i="1" smtClean="0">
+                          <a:latin typeface="Cambria Math" panose="02040503050406030204" pitchFamily="18" charset="0"/>
+                        </a:rPr>
+                        <m:t>= </m:t>
+                      </m:r>
+                      <m:sSub>
+                        <m:sSubPr>
+                          <m:ctrlPr>
+                            <a:rPr lang="en-US" sz="1100" b="0" i="1" smtClean="0">
+                              <a:latin typeface="Cambria Math" panose="02040503050406030204" pitchFamily="18" charset="0"/>
+                            </a:rPr>
+                          </m:ctrlPr>
+                        </m:sSubPr>
+                        <m:e>
+                          <m:r>
+                            <a:rPr lang="en-US" sz="1100" b="0" i="1" smtClean="0">
+                              <a:latin typeface="Cambria Math" panose="02040503050406030204" pitchFamily="18" charset="0"/>
+                            </a:rPr>
+                            <m:t>𝐸𝑀</m:t>
+                          </m:r>
+                        </m:e>
+                        <m:sub>
+                          <m:r>
+                            <a:rPr lang="en-US" sz="1100" b="0" i="1" smtClean="0">
+                              <a:latin typeface="Cambria Math" panose="02040503050406030204" pitchFamily="18" charset="0"/>
+                            </a:rPr>
+                            <m:t>𝑝𝑟𝑖𝑛𝑡𝑒𝑑</m:t>
+                          </m:r>
+                        </m:sub>
+                      </m:sSub>
+                      <m:r>
+                        <a:rPr lang="en-US" sz="1100" b="0" i="1" smtClean="0">
+                          <a:latin typeface="Cambria Math" panose="02040503050406030204" pitchFamily="18" charset="0"/>
+                        </a:rPr>
+                        <m:t> (</m:t>
+                      </m:r>
+                      <m:f>
+                        <m:fPr>
+                          <m:ctrlPr>
+                            <a:rPr lang="en-US" sz="1100" b="0" i="1" smtClean="0">
+                              <a:latin typeface="Cambria Math" panose="02040503050406030204" pitchFamily="18" charset="0"/>
+                            </a:rPr>
+                          </m:ctrlPr>
+                        </m:fPr>
+                        <m:num>
+                          <m:sSub>
+                            <m:sSubPr>
+                              <m:ctrlPr>
+                                <a:rPr lang="en-US" sz="1100" b="0" i="1" smtClean="0">
+                                  <a:latin typeface="Cambria Math" panose="02040503050406030204" pitchFamily="18" charset="0"/>
+                                </a:rPr>
+                              </m:ctrlPr>
+                            </m:sSubPr>
+                            <m:e>
+                              <m:r>
+                                <a:rPr lang="en-US" sz="1100" b="0" i="1" smtClean="0">
+                                  <a:latin typeface="Cambria Math" panose="02040503050406030204" pitchFamily="18" charset="0"/>
+                                </a:rPr>
+                                <m:t>𝑃𝑊</m:t>
+                              </m:r>
+                            </m:e>
+                            <m:sub>
+                              <m:r>
+                                <a:rPr lang="en-US" sz="1100" b="0" i="1" smtClean="0">
+                                  <a:latin typeface="Cambria Math" panose="02040503050406030204" pitchFamily="18" charset="0"/>
+                                </a:rPr>
+                                <m:t>𝑑𝑒𝑠𝑖𝑟𝑒𝑑</m:t>
+                              </m:r>
+                            </m:sub>
+                          </m:sSub>
+                        </m:num>
+                        <m:den>
+                          <m:sSub>
+                            <m:sSubPr>
+                              <m:ctrlPr>
+                                <a:rPr lang="en-US" sz="1100" b="0" i="1" smtClean="0">
+                                  <a:latin typeface="Cambria Math" panose="02040503050406030204" pitchFamily="18" charset="0"/>
+                                </a:rPr>
+                              </m:ctrlPr>
+                            </m:sSubPr>
+                            <m:e>
+                              <m:r>
+                                <a:rPr lang="en-US" sz="1100" b="0" i="1" smtClean="0">
+                                  <a:latin typeface="Cambria Math" panose="02040503050406030204" pitchFamily="18" charset="0"/>
+                                </a:rPr>
+                                <m:t>𝑃𝑊</m:t>
+                              </m:r>
+                            </m:e>
+                            <m:sub>
+                              <m:r>
+                                <a:rPr lang="en-US" sz="1100" b="0" i="1" smtClean="0">
+                                  <a:latin typeface="Cambria Math" panose="02040503050406030204" pitchFamily="18" charset="0"/>
+                                </a:rPr>
+                                <m:t>𝑚𝑒𝑎𝑠𝑢𝑟𝑒𝑑</m:t>
+                              </m:r>
+                            </m:sub>
+                          </m:sSub>
+                        </m:den>
+                      </m:f>
+                      <m:r>
+                        <a:rPr lang="en-US" sz="1100" b="0" i="1" smtClean="0">
+                          <a:latin typeface="Cambria Math" panose="02040503050406030204" pitchFamily="18" charset="0"/>
+                        </a:rPr>
+                        <m:t>)</m:t>
+                      </m:r>
+                    </m:oMath>
+                  </m:oMathPara>
+                </a14:m>
+                <a:endParaRPr lang="en-US" sz="1100" dirty="0"/>
+              </a:p>
+            </p:txBody>
+          </p:sp>
+        </mc:Choice>
+        <mc:Fallback>
+          <p:sp>
+            <p:nvSpPr>
+              <p:cNvPr id="19" name="TextBox 18">
+                <a:extLst>
+                  <a:ext uri="{FF2B5EF4-FFF2-40B4-BE49-F238E27FC236}">
+                    <a16:creationId xmlns:a16="http://schemas.microsoft.com/office/drawing/2014/main" id="{DC14AEA0-E837-C919-A3F8-3DBB00A770A4}"/>
+                  </a:ext>
+                </a:extLst>
+              </p:cNvPr>
+              <p:cNvSpPr txBox="1">
+                <a:spLocks noRot="1" noChangeAspect="1" noMove="1" noResize="1" noEditPoints="1" noAdjustHandles="1" noChangeArrowheads="1" noChangeShapeType="1" noTextEdit="1"/>
+              </p:cNvSpPr>
+              <p:nvPr/>
+            </p:nvSpPr>
+            <p:spPr>
+              <a:xfrm>
+                <a:off x="2599237" y="1428733"/>
+                <a:ext cx="2551228" cy="437877"/>
+              </a:xfrm>
+              <a:prstGeom prst="rect">
+                <a:avLst/>
+              </a:prstGeom>
+              <a:blipFill>
+                <a:blip r:embed="rId2"/>
+                <a:stretch>
+                  <a:fillRect/>
+                </a:stretch>
+              </a:blipFill>
+            </p:spPr>
+            <p:txBody>
+              <a:bodyPr/>
+              <a:lstStyle/>
+              <a:p>
+                <a:r>
+                  <a:rPr lang="en-US">
+                    <a:noFill/>
+                  </a:rPr>
+                  <a:t> </a:t>
+                </a:r>
+              </a:p>
+            </p:txBody>
+          </p:sp>
+        </mc:Fallback>
+      </mc:AlternateContent>
+      <p:cxnSp>
+        <p:nvCxnSpPr>
+          <p:cNvPr id="21" name="Straight Arrow Connector 20">
+            <a:extLst>
+              <a:ext uri="{FF2B5EF4-FFF2-40B4-BE49-F238E27FC236}">
+                <a16:creationId xmlns:a16="http://schemas.microsoft.com/office/drawing/2014/main" id="{0301439C-1790-5339-0EDC-CE6901096861}"/>
+              </a:ext>
+            </a:extLst>
+          </p:cNvPr>
+          <p:cNvCxnSpPr>
+            <a:cxnSpLocks/>
+            <a:stCxn id="12" idx="3"/>
+            <a:endCxn id="7" idx="1"/>
+          </p:cNvCxnSpPr>
+          <p:nvPr/>
+        </p:nvCxnSpPr>
+        <p:spPr>
+          <a:xfrm>
+            <a:off x="1490002" y="522241"/>
+            <a:ext cx="309729" cy="920"/>
+          </a:xfrm>
+          <a:prstGeom prst="straightConnector1">
+            <a:avLst/>
+          </a:prstGeom>
+          <a:ln>
+            <a:tailEnd type="triangle"/>
+          </a:ln>
+        </p:spPr>
+        <p:style>
+          <a:lnRef idx="1">
+            <a:schemeClr val="accent1"/>
+          </a:lnRef>
+          <a:fillRef idx="0">
+            <a:schemeClr val="accent1"/>
+          </a:fillRef>
+          <a:effectRef idx="0">
+            <a:schemeClr val="accent1"/>
+          </a:effectRef>
+          <a:fontRef idx="minor">
+            <a:schemeClr val="tx1"/>
+          </a:fontRef>
+        </p:style>
+      </p:cxnSp>
+      <p:cxnSp>
+        <p:nvCxnSpPr>
+          <p:cNvPr id="24" name="Straight Arrow Connector 23">
+            <a:extLst>
+              <a:ext uri="{FF2B5EF4-FFF2-40B4-BE49-F238E27FC236}">
+                <a16:creationId xmlns:a16="http://schemas.microsoft.com/office/drawing/2014/main" id="{97DB9A79-C138-2F55-219D-41AB64ED50A8}"/>
+              </a:ext>
+            </a:extLst>
+          </p:cNvPr>
+          <p:cNvCxnSpPr>
+            <a:cxnSpLocks/>
+            <a:stCxn id="7" idx="3"/>
+            <a:endCxn id="15" idx="1"/>
+          </p:cNvCxnSpPr>
+          <p:nvPr/>
+        </p:nvCxnSpPr>
+        <p:spPr>
+          <a:xfrm flipV="1">
+            <a:off x="2976658" y="522241"/>
+            <a:ext cx="309729" cy="920"/>
+          </a:xfrm>
+          <a:prstGeom prst="straightConnector1">
+            <a:avLst/>
+          </a:prstGeom>
+          <a:ln>
+            <a:tailEnd type="triangle"/>
+          </a:ln>
+        </p:spPr>
+        <p:style>
+          <a:lnRef idx="1">
+            <a:schemeClr val="accent1"/>
+          </a:lnRef>
+          <a:fillRef idx="0">
+            <a:schemeClr val="accent1"/>
+          </a:fillRef>
+          <a:effectRef idx="0">
+            <a:schemeClr val="accent1"/>
+          </a:effectRef>
+          <a:fontRef idx="minor">
+            <a:schemeClr val="tx1"/>
+          </a:fontRef>
+        </p:style>
+      </p:cxnSp>
+      <p:cxnSp>
+        <p:nvCxnSpPr>
+          <p:cNvPr id="25" name="Straight Arrow Connector 24">
+            <a:extLst>
+              <a:ext uri="{FF2B5EF4-FFF2-40B4-BE49-F238E27FC236}">
+                <a16:creationId xmlns:a16="http://schemas.microsoft.com/office/drawing/2014/main" id="{5824286F-39BF-6C1B-5843-8998D9CBAA1F}"/>
+              </a:ext>
+            </a:extLst>
+          </p:cNvPr>
+          <p:cNvCxnSpPr>
+            <a:cxnSpLocks/>
+            <a:stCxn id="15" idx="3"/>
+            <a:endCxn id="6" idx="1"/>
+          </p:cNvCxnSpPr>
+          <p:nvPr/>
+        </p:nvCxnSpPr>
+        <p:spPr>
+          <a:xfrm flipV="1">
+            <a:off x="4463314" y="522239"/>
+            <a:ext cx="309933" cy="2"/>
+          </a:xfrm>
+          <a:prstGeom prst="straightConnector1">
+            <a:avLst/>
+          </a:prstGeom>
+          <a:ln>
+            <a:tailEnd type="triangle"/>
+          </a:ln>
+        </p:spPr>
+        <p:style>
+          <a:lnRef idx="1">
+            <a:schemeClr val="accent1"/>
+          </a:lnRef>
+          <a:fillRef idx="0">
+            <a:schemeClr val="accent1"/>
+          </a:fillRef>
+          <a:effectRef idx="0">
+            <a:schemeClr val="accent1"/>
+          </a:effectRef>
+          <a:fontRef idx="minor">
+            <a:schemeClr val="tx1"/>
+          </a:fontRef>
+        </p:style>
+      </p:cxnSp>
+      <p:cxnSp>
+        <p:nvCxnSpPr>
+          <p:cNvPr id="26" name="Straight Arrow Connector 25">
+            <a:extLst>
+              <a:ext uri="{FF2B5EF4-FFF2-40B4-BE49-F238E27FC236}">
+                <a16:creationId xmlns:a16="http://schemas.microsoft.com/office/drawing/2014/main" id="{EECC0244-C2BD-9D2D-8D62-0838B8AD88F3}"/>
+              </a:ext>
+            </a:extLst>
+          </p:cNvPr>
+          <p:cNvCxnSpPr>
+            <a:cxnSpLocks/>
+            <a:stCxn id="16" idx="3"/>
+            <a:endCxn id="17" idx="1"/>
+          </p:cNvCxnSpPr>
+          <p:nvPr/>
+        </p:nvCxnSpPr>
+        <p:spPr>
+          <a:xfrm flipV="1">
+            <a:off x="5905329" y="522240"/>
+            <a:ext cx="462248" cy="3222"/>
+          </a:xfrm>
+          <a:prstGeom prst="straightConnector1">
+            <a:avLst/>
+          </a:prstGeom>
+          <a:ln>
+            <a:tailEnd type="triangle"/>
+          </a:ln>
+        </p:spPr>
+        <p:style>
+          <a:lnRef idx="1">
+            <a:schemeClr val="accent1"/>
+          </a:lnRef>
+          <a:fillRef idx="0">
+            <a:schemeClr val="accent1"/>
+          </a:fillRef>
+          <a:effectRef idx="0">
+            <a:schemeClr val="accent1"/>
+          </a:effectRef>
+          <a:fontRef idx="minor">
+            <a:schemeClr val="tx1"/>
+          </a:fontRef>
+        </p:style>
+      </p:cxnSp>
+      <p:cxnSp>
+        <p:nvCxnSpPr>
+          <p:cNvPr id="34" name="Elbow Connector 33">
+            <a:extLst>
+              <a:ext uri="{FF2B5EF4-FFF2-40B4-BE49-F238E27FC236}">
+                <a16:creationId xmlns:a16="http://schemas.microsoft.com/office/drawing/2014/main" id="{34660BE1-F422-3824-3FAD-BA43CCFC546D}"/>
+              </a:ext>
+            </a:extLst>
+          </p:cNvPr>
+          <p:cNvCxnSpPr>
+            <a:cxnSpLocks/>
+            <a:stCxn id="6" idx="2"/>
+            <a:endCxn id="18" idx="3"/>
+          </p:cNvCxnSpPr>
+          <p:nvPr/>
+        </p:nvCxnSpPr>
+        <p:spPr>
+          <a:xfrm rot="5400000">
+            <a:off x="4824720" y="1144232"/>
+            <a:ext cx="652374" cy="370413"/>
+          </a:xfrm>
+          <a:prstGeom prst="bentConnector2">
+            <a:avLst/>
+          </a:prstGeom>
+          <a:ln>
+            <a:tailEnd type="triangle"/>
+          </a:ln>
+        </p:spPr>
+        <p:style>
+          <a:lnRef idx="1">
+            <a:schemeClr val="accent1"/>
+          </a:lnRef>
+          <a:fillRef idx="0">
+            <a:schemeClr val="accent1"/>
+          </a:fillRef>
+          <a:effectRef idx="0">
+            <a:schemeClr val="accent1"/>
+          </a:effectRef>
+          <a:fontRef idx="minor">
+            <a:schemeClr val="tx1"/>
+          </a:fontRef>
+        </p:style>
+      </p:cxnSp>
+      <p:cxnSp>
+        <p:nvCxnSpPr>
+          <p:cNvPr id="41" name="Elbow Connector 40">
+            <a:extLst>
+              <a:ext uri="{FF2B5EF4-FFF2-40B4-BE49-F238E27FC236}">
+                <a16:creationId xmlns:a16="http://schemas.microsoft.com/office/drawing/2014/main" id="{0B13BC5E-2005-B0B0-499B-45CE88FD6DCE}"/>
+              </a:ext>
+            </a:extLst>
+          </p:cNvPr>
+          <p:cNvCxnSpPr>
+            <a:cxnSpLocks/>
+            <a:stCxn id="18" idx="1"/>
+            <a:endCxn id="7" idx="2"/>
+          </p:cNvCxnSpPr>
+          <p:nvPr/>
+        </p:nvCxnSpPr>
+        <p:spPr>
+          <a:xfrm rot="10800000">
+            <a:off x="2388196" y="851819"/>
+            <a:ext cx="395807" cy="803806"/>
+          </a:xfrm>
+          <a:prstGeom prst="bentConnector2">
+            <a:avLst/>
+          </a:prstGeom>
+          <a:ln>
+            <a:tailEnd type="triangle"/>
+          </a:ln>
+        </p:spPr>
+        <p:style>
+          <a:lnRef idx="1">
+            <a:schemeClr val="accent1"/>
+          </a:lnRef>
+          <a:fillRef idx="0">
+            <a:schemeClr val="accent1"/>
+          </a:fillRef>
+          <a:effectRef idx="0">
+            <a:schemeClr val="accent1"/>
+          </a:effectRef>
+          <a:fontRef idx="minor">
+            <a:schemeClr val="tx1"/>
+          </a:fontRef>
+        </p:style>
+      </p:cxnSp>
+      <p:sp>
+        <p:nvSpPr>
+          <p:cNvPr id="44" name="TextBox 43">
+            <a:extLst>
+              <a:ext uri="{FF2B5EF4-FFF2-40B4-BE49-F238E27FC236}">
+                <a16:creationId xmlns:a16="http://schemas.microsoft.com/office/drawing/2014/main" id="{37FF1633-46A8-6F28-A6EB-5B045F35ABDD}"/>
+              </a:ext>
+            </a:extLst>
+          </p:cNvPr>
+          <p:cNvSpPr txBox="1"/>
+          <p:nvPr/>
+        </p:nvSpPr>
+        <p:spPr>
+          <a:xfrm>
+            <a:off x="5278608" y="1068640"/>
+            <a:ext cx="386644" cy="276999"/>
+          </a:xfrm>
+          <a:prstGeom prst="rect">
+            <a:avLst/>
+          </a:prstGeom>
+          <a:noFill/>
+        </p:spPr>
+        <p:txBody>
+          <a:bodyPr wrap="none" rtlCol="0">
+            <a:spAutoFit/>
+          </a:bodyPr>
+          <a:lstStyle/>
+          <a:p>
+            <a:r>
+              <a:rPr lang="en-US" sz="1200" dirty="0"/>
+              <a:t>No</a:t>
+            </a:r>
+          </a:p>
+        </p:txBody>
+      </p:sp>
+      <p:sp>
+        <p:nvSpPr>
+          <p:cNvPr id="45" name="TextBox 44">
+            <a:extLst>
+              <a:ext uri="{FF2B5EF4-FFF2-40B4-BE49-F238E27FC236}">
+                <a16:creationId xmlns:a16="http://schemas.microsoft.com/office/drawing/2014/main" id="{4A84EF51-E9DB-E9B9-D88A-E967BAC22359}"/>
+              </a:ext>
+            </a:extLst>
+          </p:cNvPr>
+          <p:cNvSpPr txBox="1"/>
+          <p:nvPr/>
+        </p:nvSpPr>
+        <p:spPr>
+          <a:xfrm>
+            <a:off x="5887914" y="290535"/>
+            <a:ext cx="441146" cy="276999"/>
+          </a:xfrm>
+          <a:prstGeom prst="rect">
+            <a:avLst/>
+          </a:prstGeom>
+          <a:noFill/>
+        </p:spPr>
+        <p:txBody>
+          <a:bodyPr wrap="none" rtlCol="0">
+            <a:spAutoFit/>
+          </a:bodyPr>
+          <a:lstStyle/>
+          <a:p>
+            <a:r>
+              <a:rPr lang="en-US" sz="1200" dirty="0"/>
+              <a:t>Yes</a:t>
+            </a:r>
+          </a:p>
+        </p:txBody>
+      </p:sp>
+    </p:spTree>
+    <p:extLst>
+      <p:ext uri="{BB962C8B-B14F-4D97-AF65-F5344CB8AC3E}">
+        <p14:creationId xmlns:p14="http://schemas.microsoft.com/office/powerpoint/2010/main" val="2172123373"/>
+      </p:ext>
+    </p:extLst>
+  </p:cSld>
+  <p:clrMapOvr>
+    <a:masterClrMapping/>
+  </p:clrMapOvr>
+</p:sld>
+</file>
+
 <file path=ppt/theme/theme1.xml><?xml version="1.0" encoding="utf-8"?>
 <a:theme xmlns:a="http://schemas.openxmlformats.org/drawingml/2006/main" name="View">
   <a:themeElements>

--- a/fig/images.pptx
+++ b/fig/images.pptx
@@ -8824,7 +8824,7 @@
             <a:pPr algn="ctr"/>
             <a:r>
               <a:rPr lang="en-US" sz="1200" dirty="0"/>
-              <a:t>Print with settings</a:t>
+              <a:t>Print square wall with settings</a:t>
             </a:r>
           </a:p>
         </p:txBody>
@@ -8871,7 +8871,7 @@
             <a:pPr algn="ctr"/>
             <a:r>
               <a:rPr lang="en-US" sz="1200" dirty="0"/>
-              <a:t>Set settings to: EM=1 PW=0.4</a:t>
+              <a:t>Set settings: EM=1 PW=0.4</a:t>
             </a:r>
           </a:p>
         </p:txBody>
@@ -8918,7 +8918,7 @@
             <a:pPr algn="ctr"/>
             <a:r>
               <a:rPr lang="en-US" sz="1200" dirty="0"/>
-              <a:t>Measure Width</a:t>
+              <a:t>Measure Path Width</a:t>
             </a:r>
           </a:p>
         </p:txBody>
@@ -8937,8 +8937,8 @@
         </p:nvSpPr>
         <p:spPr>
           <a:xfrm>
-            <a:off x="4847974" y="294629"/>
-            <a:ext cx="1057355" cy="461665"/>
+            <a:off x="4817969" y="208497"/>
+            <a:ext cx="1057355" cy="600164"/>
           </a:xfrm>
           <a:prstGeom prst="rect">
             <a:avLst/>
@@ -8951,9 +8951,17 @@
           </a:bodyPr>
           <a:lstStyle/>
           <a:p>
-            <a:r>
-              <a:rPr lang="en-US" sz="1200" dirty="0"/>
-              <a:t>Wall width = 0.4 mm?</a:t>
+            <a:pPr algn="ctr"/>
+            <a:r>
+              <a:rPr lang="en-US" sz="1100" dirty="0"/>
+              <a:t>Does the path width </a:t>
+            </a:r>
+          </a:p>
+          <a:p>
+            <a:pPr algn="ctr"/>
+            <a:r>
+              <a:rPr lang="en-US" sz="1100" dirty="0"/>
+              <a:t>= 0.4 mm?</a:t>
             </a:r>
           </a:p>
         </p:txBody>
@@ -9409,15 +9417,15 @@
           </p:cNvPr>
           <p:cNvCxnSpPr>
             <a:cxnSpLocks/>
-            <a:stCxn id="16" idx="3"/>
+            <a:stCxn id="6" idx="3"/>
             <a:endCxn id="17" idx="1"/>
           </p:cNvCxnSpPr>
           <p:nvPr/>
         </p:nvCxnSpPr>
         <p:spPr>
-          <a:xfrm flipV="1">
-            <a:off x="5905329" y="522240"/>
-            <a:ext cx="462248" cy="3222"/>
+          <a:xfrm>
+            <a:off x="5898979" y="522239"/>
+            <a:ext cx="468598" cy="1"/>
           </a:xfrm>
           <a:prstGeom prst="straightConnector1">
             <a:avLst/>
@@ -9556,7 +9564,7 @@
           <a:lstStyle/>
           <a:p>
             <a:r>
-              <a:rPr lang="en-US" sz="1200" dirty="0"/>
+              <a:rPr lang="en-US" sz="1200" i="1" dirty="0"/>
               <a:t>No</a:t>
             </a:r>
           </a:p>
@@ -9576,7 +9584,7 @@
         </p:nvSpPr>
         <p:spPr>
           <a:xfrm>
-            <a:off x="5887914" y="290535"/>
+            <a:off x="5873097" y="285360"/>
             <a:ext cx="441146" cy="276999"/>
           </a:xfrm>
           <a:prstGeom prst="rect">
@@ -9591,7 +9599,7 @@
           <a:lstStyle/>
           <a:p>
             <a:r>
-              <a:rPr lang="en-US" sz="1200" dirty="0"/>
+              <a:rPr lang="en-US" sz="1200" i="1" dirty="0"/>
               <a:t>Yes</a:t>
             </a:r>
           </a:p>
